--- a/Material_for_meeting_070119.pptx
+++ b/Material_for_meeting_070119.pptx
@@ -5,20 +5,21 @@
     <p:sldMasterId id="2147483648" r:id="rId1"/>
   </p:sldMasterIdLst>
   <p:notesMasterIdLst>
-    <p:notesMasterId r:id="rId13"/>
+    <p:notesMasterId r:id="rId14"/>
   </p:notesMasterIdLst>
   <p:sldIdLst>
     <p:sldId id="256" r:id="rId2"/>
     <p:sldId id="257" r:id="rId3"/>
     <p:sldId id="258" r:id="rId4"/>
-    <p:sldId id="268" r:id="rId5"/>
-    <p:sldId id="265" r:id="rId6"/>
-    <p:sldId id="261" r:id="rId7"/>
-    <p:sldId id="269" r:id="rId8"/>
-    <p:sldId id="262" r:id="rId9"/>
-    <p:sldId id="266" r:id="rId10"/>
-    <p:sldId id="263" r:id="rId11"/>
-    <p:sldId id="267" r:id="rId12"/>
+    <p:sldId id="270" r:id="rId5"/>
+    <p:sldId id="268" r:id="rId6"/>
+    <p:sldId id="265" r:id="rId7"/>
+    <p:sldId id="261" r:id="rId8"/>
+    <p:sldId id="269" r:id="rId9"/>
+    <p:sldId id="262" r:id="rId10"/>
+    <p:sldId id="266" r:id="rId11"/>
+    <p:sldId id="263" r:id="rId12"/>
+    <p:sldId id="267" r:id="rId13"/>
   </p:sldIdLst>
   <p:sldSz cx="12192000" cy="6858000"/>
   <p:notesSz cx="6858000" cy="9144000"/>
@@ -550,7 +551,7 @@
           <a:p>
             <a:fld id="{F457F641-BBB2-1140-BE6C-55282FEFEC2E}" type="slidenum">
               <a:rPr lang="en-GB" smtClean="0"/>
-              <a:t>9</a:t>
+              <a:t>10</a:t>
             </a:fld>
             <a:endParaRPr lang="en-GB"/>
           </a:p>
@@ -716,7 +717,7 @@
           <a:p>
             <a:fld id="{D212F8D9-9F93-C94F-94AF-755A8CDFDFC6}" type="datetimeFigureOut">
               <a:rPr lang="en-US" smtClean="0"/>
-              <a:t>1/6/19</a:t>
+              <a:t>1/6/2019</a:t>
             </a:fld>
             <a:endParaRPr lang="en-US"/>
           </a:p>
@@ -914,7 +915,7 @@
           <a:p>
             <a:fld id="{D212F8D9-9F93-C94F-94AF-755A8CDFDFC6}" type="datetimeFigureOut">
               <a:rPr lang="en-US" smtClean="0"/>
-              <a:t>1/6/19</a:t>
+              <a:t>1/6/2019</a:t>
             </a:fld>
             <a:endParaRPr lang="en-US"/>
           </a:p>
@@ -1122,7 +1123,7 @@
           <a:p>
             <a:fld id="{D212F8D9-9F93-C94F-94AF-755A8CDFDFC6}" type="datetimeFigureOut">
               <a:rPr lang="en-US" smtClean="0"/>
-              <a:t>1/6/19</a:t>
+              <a:t>1/6/2019</a:t>
             </a:fld>
             <a:endParaRPr lang="en-US"/>
           </a:p>
@@ -1320,7 +1321,7 @@
           <a:p>
             <a:fld id="{D212F8D9-9F93-C94F-94AF-755A8CDFDFC6}" type="datetimeFigureOut">
               <a:rPr lang="en-US" smtClean="0"/>
-              <a:t>1/6/19</a:t>
+              <a:t>1/6/2019</a:t>
             </a:fld>
             <a:endParaRPr lang="en-US"/>
           </a:p>
@@ -1595,7 +1596,7 @@
           <a:p>
             <a:fld id="{D212F8D9-9F93-C94F-94AF-755A8CDFDFC6}" type="datetimeFigureOut">
               <a:rPr lang="en-US" smtClean="0"/>
-              <a:t>1/6/19</a:t>
+              <a:t>1/6/2019</a:t>
             </a:fld>
             <a:endParaRPr lang="en-US"/>
           </a:p>
@@ -1860,7 +1861,7 @@
           <a:p>
             <a:fld id="{D212F8D9-9F93-C94F-94AF-755A8CDFDFC6}" type="datetimeFigureOut">
               <a:rPr lang="en-US" smtClean="0"/>
-              <a:t>1/6/19</a:t>
+              <a:t>1/6/2019</a:t>
             </a:fld>
             <a:endParaRPr lang="en-US"/>
           </a:p>
@@ -2272,7 +2273,7 @@
           <a:p>
             <a:fld id="{D212F8D9-9F93-C94F-94AF-755A8CDFDFC6}" type="datetimeFigureOut">
               <a:rPr lang="en-US" smtClean="0"/>
-              <a:t>1/6/19</a:t>
+              <a:t>1/6/2019</a:t>
             </a:fld>
             <a:endParaRPr lang="en-US"/>
           </a:p>
@@ -2413,7 +2414,7 @@
           <a:p>
             <a:fld id="{D212F8D9-9F93-C94F-94AF-755A8CDFDFC6}" type="datetimeFigureOut">
               <a:rPr lang="en-US" smtClean="0"/>
-              <a:t>1/6/19</a:t>
+              <a:t>1/6/2019</a:t>
             </a:fld>
             <a:endParaRPr lang="en-US"/>
           </a:p>
@@ -2526,7 +2527,7 @@
           <a:p>
             <a:fld id="{D212F8D9-9F93-C94F-94AF-755A8CDFDFC6}" type="datetimeFigureOut">
               <a:rPr lang="en-US" smtClean="0"/>
-              <a:t>1/6/19</a:t>
+              <a:t>1/6/2019</a:t>
             </a:fld>
             <a:endParaRPr lang="en-US"/>
           </a:p>
@@ -2837,7 +2838,7 @@
           <a:p>
             <a:fld id="{D212F8D9-9F93-C94F-94AF-755A8CDFDFC6}" type="datetimeFigureOut">
               <a:rPr lang="en-US" smtClean="0"/>
-              <a:t>1/6/19</a:t>
+              <a:t>1/6/2019</a:t>
             </a:fld>
             <a:endParaRPr lang="en-US"/>
           </a:p>
@@ -3125,7 +3126,7 @@
           <a:p>
             <a:fld id="{D212F8D9-9F93-C94F-94AF-755A8CDFDFC6}" type="datetimeFigureOut">
               <a:rPr lang="en-US" smtClean="0"/>
-              <a:t>1/6/19</a:t>
+              <a:t>1/6/2019</a:t>
             </a:fld>
             <a:endParaRPr lang="en-US"/>
           </a:p>
@@ -3368,7 +3369,7 @@
             <a:fld id="{D212F8D9-9F93-C94F-94AF-755A8CDFDFC6}" type="datetimeFigureOut">
               <a:rPr lang="en-US" smtClean="0"/>
               <a:pPr/>
-              <a:t>1/6/19</a:t>
+              <a:t>1/6/2019</a:t>
             </a:fld>
             <a:endParaRPr lang="en-US" dirty="0"/>
           </a:p>
@@ -3893,6 +3894,95 @@
           <p:cNvPr id="2" name="Title 1">
             <a:extLst>
               <a:ext uri="{FF2B5EF4-FFF2-40B4-BE49-F238E27FC236}">
+                <a16:creationId xmlns:a16="http://schemas.microsoft.com/office/drawing/2014/main" id="{6D589649-B8E4-C448-8165-EBA750CA89C2}"/>
+              </a:ext>
+            </a:extLst>
+          </p:cNvPr>
+          <p:cNvSpPr>
+            <a:spLocks noGrp="1"/>
+          </p:cNvSpPr>
+          <p:nvPr>
+            <p:ph type="title"/>
+          </p:nvPr>
+        </p:nvSpPr>
+        <p:spPr/>
+        <p:txBody>
+          <a:bodyPr/>
+          <a:lstStyle/>
+          <a:p>
+            <a:r>
+              <a:rPr lang="en-GB" dirty="0"/>
+              <a:t>6. Collaboration</a:t>
+            </a:r>
+          </a:p>
+        </p:txBody>
+      </p:sp>
+      <p:sp>
+        <p:nvSpPr>
+          <p:cNvPr id="3" name="Content Placeholder 2">
+            <a:extLst>
+              <a:ext uri="{FF2B5EF4-FFF2-40B4-BE49-F238E27FC236}">
+                <a16:creationId xmlns:a16="http://schemas.microsoft.com/office/drawing/2014/main" id="{2AC8EFFB-C1BF-2845-B5EB-A01334824C6C}"/>
+              </a:ext>
+            </a:extLst>
+          </p:cNvPr>
+          <p:cNvSpPr>
+            <a:spLocks noGrp="1"/>
+          </p:cNvSpPr>
+          <p:nvPr>
+            <p:ph idx="1"/>
+          </p:nvPr>
+        </p:nvSpPr>
+        <p:spPr/>
+        <p:txBody>
+          <a:bodyPr/>
+          <a:lstStyle/>
+          <a:p>
+            <a:pPr marL="0" indent="0">
+              <a:buNone/>
+            </a:pPr>
+            <a:r>
+              <a:rPr lang="en-GB" dirty="0"/>
+              <a:t>We will now be working with Dan and Barney once a week (on Wednesdays at 11am)</a:t>
+            </a:r>
+          </a:p>
+        </p:txBody>
+      </p:sp>
+    </p:spTree>
+    <p:extLst>
+      <p:ext uri="{BB962C8B-B14F-4D97-AF65-F5344CB8AC3E}">
+        <p14:creationId xmlns:p14="http://schemas.microsoft.com/office/powerpoint/2010/main" val="1149579632"/>
+      </p:ext>
+    </p:extLst>
+  </p:cSld>
+  <p:clrMapOvr>
+    <a:masterClrMapping/>
+  </p:clrMapOvr>
+</p:sld>
+</file>
+
+<file path=ppt/slides/slide11.xml><?xml version="1.0" encoding="utf-8"?>
+<p:sld xmlns:a="http://schemas.openxmlformats.org/drawingml/2006/main" xmlns:r="http://schemas.openxmlformats.org/officeDocument/2006/relationships" xmlns:p="http://schemas.openxmlformats.org/presentationml/2006/main">
+  <p:cSld>
+    <p:spTree>
+      <p:nvGrpSpPr>
+        <p:cNvPr id="1" name=""/>
+        <p:cNvGrpSpPr/>
+        <p:nvPr/>
+      </p:nvGrpSpPr>
+      <p:grpSpPr>
+        <a:xfrm>
+          <a:off x="0" y="0"/>
+          <a:ext cx="0" cy="0"/>
+          <a:chOff x="0" y="0"/>
+          <a:chExt cx="0" cy="0"/>
+        </a:xfrm>
+      </p:grpSpPr>
+      <p:sp>
+        <p:nvSpPr>
+          <p:cNvPr id="2" name="Title 1">
+            <a:extLst>
+              <a:ext uri="{FF2B5EF4-FFF2-40B4-BE49-F238E27FC236}">
                 <a16:creationId xmlns:a16="http://schemas.microsoft.com/office/drawing/2014/main" id="{BCB7D23F-DD47-B048-8BE4-7C2BFA57BFC8}"/>
               </a:ext>
             </a:extLst>
@@ -3995,7 +4085,7 @@
 </p:sld>
 </file>
 
-<file path=ppt/slides/slide11.xml><?xml version="1.0" encoding="utf-8"?>
+<file path=ppt/slides/slide12.xml><?xml version="1.0" encoding="utf-8"?>
 <p:sld xmlns:a="http://schemas.openxmlformats.org/drawingml/2006/main" xmlns:r="http://schemas.openxmlformats.org/officeDocument/2006/relationships" xmlns:p="http://schemas.openxmlformats.org/presentationml/2006/main">
   <p:cSld>
     <p:spTree>
@@ -4384,7 +4474,7 @@
             </a:pPr>
             <a:r>
               <a:rPr lang="en-GB" dirty="0"/>
-              <a:t>Monday morning</a:t>
+              <a:t>Monday morning (except 10 to 11)</a:t>
             </a:r>
           </a:p>
           <a:p>
@@ -4476,7 +4566,7 @@
           <p:cNvPr id="2" name="Title 1">
             <a:extLst>
               <a:ext uri="{FF2B5EF4-FFF2-40B4-BE49-F238E27FC236}">
-                <a16:creationId xmlns:a16="http://schemas.microsoft.com/office/drawing/2014/main" id="{A0433B50-0420-6745-8A9D-299A057D31DD}"/>
+                <a16:creationId xmlns:a16="http://schemas.microsoft.com/office/drawing/2014/main" id="{B3FBF47D-C8BB-4E9F-8A37-8E337EFD7D04}"/>
               </a:ext>
             </a:extLst>
           </p:cNvPr>
@@ -4494,69 +4584,114 @@
           <a:p>
             <a:r>
               <a:rPr lang="en-GB" dirty="0"/>
-              <a:t>2. </a:t>
-            </a:r>
-            <a:r>
-              <a:rPr lang="en-US" dirty="0"/>
-              <a:t>New data</a:t>
-            </a:r>
-            <a:endParaRPr lang="en-GB" dirty="0"/>
-          </a:p>
-        </p:txBody>
-      </p:sp>
-      <p:sp>
-        <p:nvSpPr>
-          <p:cNvPr id="3" name="Content Placeholder 2">
-            <a:extLst>
-              <a:ext uri="{FF2B5EF4-FFF2-40B4-BE49-F238E27FC236}">
-                <a16:creationId xmlns:a16="http://schemas.microsoft.com/office/drawing/2014/main" id="{D7A063D3-87DA-254F-B5E3-5FEF85A84D65}"/>
-              </a:ext>
-            </a:extLst>
-          </p:cNvPr>
-          <p:cNvSpPr>
-            <a:spLocks noGrp="1"/>
-          </p:cNvSpPr>
+              <a:t>Example plot</a:t>
+            </a:r>
+          </a:p>
+        </p:txBody>
+      </p:sp>
+      <p:pic>
+        <p:nvPicPr>
+          <p:cNvPr id="7" name="Content Placeholder 6">
+            <a:extLst>
+              <a:ext uri="{FF2B5EF4-FFF2-40B4-BE49-F238E27FC236}">
+                <a16:creationId xmlns:a16="http://schemas.microsoft.com/office/drawing/2014/main" id="{A7C83749-F3D5-46F9-849B-E948AB15F12F}"/>
+              </a:ext>
+            </a:extLst>
+          </p:cNvPr>
+          <p:cNvPicPr>
+            <a:picLocks noGrp="1" noChangeAspect="1"/>
+          </p:cNvPicPr>
           <p:nvPr>
             <p:ph idx="1"/>
           </p:nvPr>
-        </p:nvSpPr>
-        <p:spPr/>
-        <p:txBody>
-          <a:bodyPr/>
+        </p:nvPicPr>
+        <p:blipFill rotWithShape="1">
+          <a:blip r:embed="rId2"/>
+          <a:srcRect l="18411" r="19857"/>
+          <a:stretch/>
+        </p:blipFill>
+        <p:spPr>
+          <a:xfrm>
+            <a:off x="838200" y="1612561"/>
+            <a:ext cx="5434584" cy="4351338"/>
+          </a:xfrm>
+        </p:spPr>
+      </p:pic>
+      <p:pic>
+        <p:nvPicPr>
+          <p:cNvPr id="9" name="Picture 8">
+            <a:extLst>
+              <a:ext uri="{FF2B5EF4-FFF2-40B4-BE49-F238E27FC236}">
+                <a16:creationId xmlns:a16="http://schemas.microsoft.com/office/drawing/2014/main" id="{AFFC8050-1EE9-4BD1-8521-C3E5B751732E}"/>
+              </a:ext>
+            </a:extLst>
+          </p:cNvPr>
+          <p:cNvPicPr>
+            <a:picLocks noChangeAspect="1"/>
+          </p:cNvPicPr>
+          <p:nvPr/>
+        </p:nvPicPr>
+        <p:blipFill>
+          <a:blip r:embed="rId3"/>
+          <a:stretch>
+            <a:fillRect/>
+          </a:stretch>
+        </p:blipFill>
+        <p:spPr>
+          <a:xfrm>
+            <a:off x="5868725" y="1521121"/>
+            <a:ext cx="5852172" cy="4370841"/>
+          </a:xfrm>
+          <a:prstGeom prst="rect">
+            <a:avLst/>
+          </a:prstGeom>
+        </p:spPr>
+      </p:pic>
+      <p:sp>
+        <p:nvSpPr>
+          <p:cNvPr id="10" name="TextBox 9">
+            <a:extLst>
+              <a:ext uri="{FF2B5EF4-FFF2-40B4-BE49-F238E27FC236}">
+                <a16:creationId xmlns:a16="http://schemas.microsoft.com/office/drawing/2014/main" id="{498B1A9E-9767-4F5E-807D-B533345179D7}"/>
+              </a:ext>
+            </a:extLst>
+          </p:cNvPr>
+          <p:cNvSpPr txBox="1"/>
+          <p:nvPr/>
+        </p:nvSpPr>
+        <p:spPr>
+          <a:xfrm>
+            <a:off x="1965960" y="5891962"/>
+            <a:ext cx="9198864" cy="646331"/>
+          </a:xfrm>
+          <a:prstGeom prst="rect">
+            <a:avLst/>
+          </a:prstGeom>
+          <a:noFill/>
+        </p:spPr>
+        <p:txBody>
+          <a:bodyPr wrap="square" rtlCol="0">
+            <a:spAutoFit/>
+          </a:bodyPr>
           <a:lstStyle/>
           <a:p>
             <a:r>
               <a:rPr lang="en-GB" dirty="0"/>
-              <a:t>Improved CALIOP 2018 data with surface data </a:t>
+              <a:t>Left: Generated mask</a:t>
             </a:r>
           </a:p>
           <a:p>
             <a:r>
               <a:rPr lang="en-GB" dirty="0"/>
-              <a:t>Some matched CATS 2017 data</a:t>
-            </a:r>
-          </a:p>
-          <a:p>
-            <a:r>
-              <a:rPr lang="en-GB" dirty="0"/>
-              <a:t>Adversarial data (pending)</a:t>
-            </a:r>
-          </a:p>
-          <a:p>
-            <a:pPr marL="0" indent="0">
-              <a:buNone/>
-            </a:pPr>
-            <a:endParaRPr lang="en-GB" dirty="0"/>
-          </a:p>
-          <a:p>
-            <a:endParaRPr lang="en-GB" dirty="0"/>
+              <a:t>Right: S1_an channel data</a:t>
+            </a:r>
           </a:p>
         </p:txBody>
       </p:sp>
     </p:spTree>
     <p:extLst>
       <p:ext uri="{BB962C8B-B14F-4D97-AF65-F5344CB8AC3E}">
-        <p14:creationId xmlns:p14="http://schemas.microsoft.com/office/powerpoint/2010/main" val="2683106928"/>
+        <p14:creationId xmlns:p14="http://schemas.microsoft.com/office/powerpoint/2010/main" val="769132471"/>
       </p:ext>
     </p:extLst>
   </p:cSld>
@@ -4588,7 +4723,7 @@
           <p:cNvPr id="2" name="Title 1">
             <a:extLst>
               <a:ext uri="{FF2B5EF4-FFF2-40B4-BE49-F238E27FC236}">
-                <a16:creationId xmlns:a16="http://schemas.microsoft.com/office/drawing/2014/main" id="{6C6AC28A-EE23-1547-8206-A5D4F961A386}"/>
+                <a16:creationId xmlns:a16="http://schemas.microsoft.com/office/drawing/2014/main" id="{A0433B50-0420-6745-8A9D-299A057D31DD}"/>
               </a:ext>
             </a:extLst>
           </p:cNvPr>
@@ -4606,11 +4741,11 @@
           <a:p>
             <a:r>
               <a:rPr lang="en-GB" dirty="0"/>
-              <a:t>3.</a:t>
+              <a:t>2. </a:t>
             </a:r>
             <a:r>
               <a:rPr lang="en-US" dirty="0"/>
-              <a:t> Improving efficiency </a:t>
+              <a:t>New data</a:t>
             </a:r>
             <a:endParaRPr lang="en-GB" dirty="0"/>
           </a:p>
@@ -4621,7 +4756,7 @@
           <p:cNvPr id="3" name="Content Placeholder 2">
             <a:extLst>
               <a:ext uri="{FF2B5EF4-FFF2-40B4-BE49-F238E27FC236}">
-                <a16:creationId xmlns:a16="http://schemas.microsoft.com/office/drawing/2014/main" id="{06CED7D2-1296-6641-9DB0-EE69B2E53A38}"/>
+                <a16:creationId xmlns:a16="http://schemas.microsoft.com/office/drawing/2014/main" id="{D7A063D3-87DA-254F-B5E3-5FEF85A84D65}"/>
               </a:ext>
             </a:extLst>
           </p:cNvPr>
@@ -4637,14 +4772,63 @@
           <a:bodyPr/>
           <a:lstStyle/>
           <a:p>
-            <a:endParaRPr lang="en-GB"/>
+            <a:r>
+              <a:rPr lang="en-GB" dirty="0"/>
+              <a:t>Improved data collection by using interpolation between adjacent agreeing CALIOP measurements</a:t>
+            </a:r>
+          </a:p>
+          <a:p>
+            <a:r>
+              <a:rPr lang="en-GB" dirty="0"/>
+              <a:t>Improved CALIOP 2018 data with surface data</a:t>
+            </a:r>
+          </a:p>
+          <a:p>
+            <a:r>
+              <a:rPr lang="en-GB" dirty="0">
+                <a:hlinkClick r:id="rId2"/>
+              </a:rPr>
+              <a:t>https://docs.google.com/spreadsheets/d/1W3gyqzpbKeNRWvtOrYsDbg2UzzVLfw-t74esUQ_12GU/edit#gid=0</a:t>
+            </a:r>
+            <a:endParaRPr lang="en-GB" dirty="0"/>
+          </a:p>
+          <a:p>
+            <a:pPr lvl="1"/>
+            <a:r>
+              <a:rPr lang="en-GB" dirty="0"/>
+              <a:t>Data for &gt; 2.2 million pixels from Jan18 to Aug18 for CALIOP matches</a:t>
+            </a:r>
+          </a:p>
+          <a:p>
+            <a:pPr lvl="1"/>
+            <a:r>
+              <a:rPr lang="en-GB" dirty="0"/>
+              <a:t>Data for ~ 42,000 pixels for CATS matches from Aug17</a:t>
+            </a:r>
+          </a:p>
+          <a:p>
+            <a:pPr lvl="2"/>
+            <a:r>
+              <a:rPr lang="en-GB" dirty="0"/>
+              <a:t>Unable to gather more SLSTR data from 2017</a:t>
+            </a:r>
+          </a:p>
+          <a:p>
+            <a:pPr lvl="1"/>
+            <a:r>
+              <a:rPr lang="en-GB" dirty="0"/>
+              <a:t>See error on Jul18</a:t>
+            </a:r>
+          </a:p>
+          <a:p>
+            <a:endParaRPr lang="en-GB" dirty="0"/>
           </a:p>
         </p:txBody>
       </p:sp>
     </p:spTree>
     <p:extLst>
       <p:ext uri="{BB962C8B-B14F-4D97-AF65-F5344CB8AC3E}">
-        <p14:creationId xmlns:p14="http://schemas.microsoft.com/office/powerpoint/2010/main" val="1181275559"/>
+        <p14:creationId xmlns:p14="http://schemas.microsoft.com/office/powerpoint/2010/main" val="2683106928"/>
       </p:ext>
     </p:extLst>
   </p:cSld>
@@ -4676,7 +4860,7 @@
           <p:cNvPr id="2" name="Title 1">
             <a:extLst>
               <a:ext uri="{FF2B5EF4-FFF2-40B4-BE49-F238E27FC236}">
-                <a16:creationId xmlns:a16="http://schemas.microsoft.com/office/drawing/2014/main" id="{F55FEF33-ED2A-E140-99D3-518A10A75B49}"/>
+                <a16:creationId xmlns:a16="http://schemas.microsoft.com/office/drawing/2014/main" id="{6C6AC28A-EE23-1547-8206-A5D4F961A386}"/>
               </a:ext>
             </a:extLst>
           </p:cNvPr>
@@ -4693,8 +4877,12 @@
           <a:lstStyle/>
           <a:p>
             <a:r>
+              <a:rPr lang="en-GB" dirty="0"/>
+              <a:t>3.</a:t>
+            </a:r>
+            <a:r>
               <a:rPr lang="en-US" dirty="0"/>
-              <a:t>4. Accuracy</a:t>
+              <a:t> Improving efficiency </a:t>
             </a:r>
             <a:endParaRPr lang="en-GB" dirty="0"/>
           </a:p>
@@ -4705,7 +4893,7 @@
           <p:cNvPr id="3" name="Content Placeholder 2">
             <a:extLst>
               <a:ext uri="{FF2B5EF4-FFF2-40B4-BE49-F238E27FC236}">
-                <a16:creationId xmlns:a16="http://schemas.microsoft.com/office/drawing/2014/main" id="{9186BA69-379C-824F-99F3-3D86148837D6}"/>
+                <a16:creationId xmlns:a16="http://schemas.microsoft.com/office/drawing/2014/main" id="{06CED7D2-1296-6641-9DB0-EE69B2E53A38}"/>
               </a:ext>
             </a:extLst>
           </p:cNvPr>
@@ -4721,35 +4909,14 @@
           <a:bodyPr/>
           <a:lstStyle/>
           <a:p>
-            <a:r>
-              <a:rPr lang="en-GB" dirty="0"/>
-              <a:t>Hyperparameters</a:t>
-            </a:r>
-          </a:p>
-          <a:p>
-            <a:r>
-              <a:rPr lang="en-GB" dirty="0"/>
-              <a:t>Model accuracy testing, testing as a function of times slices, satellite zenith angle and surface type. </a:t>
-            </a:r>
-          </a:p>
-          <a:p>
-            <a:endParaRPr lang="en-GB" dirty="0"/>
-          </a:p>
-          <a:p>
-            <a:pPr marL="0" indent="0">
-              <a:buNone/>
-            </a:pPr>
-            <a:r>
-              <a:rPr lang="en-GB" dirty="0"/>
-              <a:t>=&gt; Highlights the need to generate an uncertainty on for the model results  </a:t>
-            </a:r>
+            <a:endParaRPr lang="en-GB"/>
           </a:p>
         </p:txBody>
       </p:sp>
     </p:spTree>
     <p:extLst>
       <p:ext uri="{BB962C8B-B14F-4D97-AF65-F5344CB8AC3E}">
-        <p14:creationId xmlns:p14="http://schemas.microsoft.com/office/powerpoint/2010/main" val="3189072581"/>
+        <p14:creationId xmlns:p14="http://schemas.microsoft.com/office/powerpoint/2010/main" val="1181275559"/>
       </p:ext>
     </p:extLst>
   </p:cSld>
@@ -4781,7 +4948,7 @@
           <p:cNvPr id="2" name="Title 1">
             <a:extLst>
               <a:ext uri="{FF2B5EF4-FFF2-40B4-BE49-F238E27FC236}">
-                <a16:creationId xmlns:a16="http://schemas.microsoft.com/office/drawing/2014/main" id="{F55A229B-28CE-6D47-BB34-8F23E35086BA}"/>
+                <a16:creationId xmlns:a16="http://schemas.microsoft.com/office/drawing/2014/main" id="{F55FEF33-ED2A-E140-99D3-518A10A75B49}"/>
               </a:ext>
             </a:extLst>
           </p:cNvPr>
@@ -4797,7 +4964,11 @@
           <a:bodyPr/>
           <a:lstStyle/>
           <a:p>
-            <a:endParaRPr lang="en-GB"/>
+            <a:r>
+              <a:rPr lang="en-US" dirty="0"/>
+              <a:t>4. Accuracy</a:t>
+            </a:r>
+            <a:endParaRPr lang="en-GB" dirty="0"/>
           </a:p>
         </p:txBody>
       </p:sp>
@@ -4806,7 +4977,7 @@
           <p:cNvPr id="3" name="Content Placeholder 2">
             <a:extLst>
               <a:ext uri="{FF2B5EF4-FFF2-40B4-BE49-F238E27FC236}">
-                <a16:creationId xmlns:a16="http://schemas.microsoft.com/office/drawing/2014/main" id="{5D6217C7-BDD7-FA4D-A7EB-D576D2062B03}"/>
+                <a16:creationId xmlns:a16="http://schemas.microsoft.com/office/drawing/2014/main" id="{9186BA69-379C-824F-99F3-3D86148837D6}"/>
               </a:ext>
             </a:extLst>
           </p:cNvPr>
@@ -4822,14 +4993,35 @@
           <a:bodyPr/>
           <a:lstStyle/>
           <a:p>
-            <a:endParaRPr lang="en-GB"/>
+            <a:r>
+              <a:rPr lang="en-GB" dirty="0"/>
+              <a:t>Hyperparameters</a:t>
+            </a:r>
+          </a:p>
+          <a:p>
+            <a:r>
+              <a:rPr lang="en-GB" dirty="0"/>
+              <a:t>Model accuracy testing, testing as a function of times slices, satellite zenith angle and surface type. </a:t>
+            </a:r>
+          </a:p>
+          <a:p>
+            <a:endParaRPr lang="en-GB" dirty="0"/>
+          </a:p>
+          <a:p>
+            <a:pPr marL="0" indent="0">
+              <a:buNone/>
+            </a:pPr>
+            <a:r>
+              <a:rPr lang="en-GB" dirty="0"/>
+              <a:t>=&gt; Highlights the need to generate an uncertainty on for the model results  </a:t>
+            </a:r>
           </a:p>
         </p:txBody>
       </p:sp>
     </p:spTree>
     <p:extLst>
       <p:ext uri="{BB962C8B-B14F-4D97-AF65-F5344CB8AC3E}">
-        <p14:creationId xmlns:p14="http://schemas.microsoft.com/office/powerpoint/2010/main" val="4223181540"/>
+        <p14:creationId xmlns:p14="http://schemas.microsoft.com/office/powerpoint/2010/main" val="3189072581"/>
       </p:ext>
     </p:extLst>
   </p:cSld>
@@ -4861,7 +5053,7 @@
           <p:cNvPr id="2" name="Title 1">
             <a:extLst>
               <a:ext uri="{FF2B5EF4-FFF2-40B4-BE49-F238E27FC236}">
-                <a16:creationId xmlns:a16="http://schemas.microsoft.com/office/drawing/2014/main" id="{A144D73C-B31A-7F4C-9C3B-6D3609C541A8}"/>
+                <a16:creationId xmlns:a16="http://schemas.microsoft.com/office/drawing/2014/main" id="{F55A229B-28CE-6D47-BB34-8F23E35086BA}"/>
               </a:ext>
             </a:extLst>
           </p:cNvPr>
@@ -4877,15 +5069,7 @@
           <a:bodyPr/>
           <a:lstStyle/>
           <a:p>
-            <a:r>
-              <a:rPr lang="en-GB" dirty="0"/>
-              <a:t>5.</a:t>
-            </a:r>
-            <a:r>
-              <a:rPr lang="en-US" dirty="0"/>
-              <a:t> Uncertainty </a:t>
-            </a:r>
-            <a:endParaRPr lang="en-GB" dirty="0"/>
+            <a:endParaRPr lang="en-GB"/>
           </a:p>
         </p:txBody>
       </p:sp>
@@ -4894,7 +5078,7 @@
           <p:cNvPr id="3" name="Content Placeholder 2">
             <a:extLst>
               <a:ext uri="{FF2B5EF4-FFF2-40B4-BE49-F238E27FC236}">
-                <a16:creationId xmlns:a16="http://schemas.microsoft.com/office/drawing/2014/main" id="{D43A02AF-762D-1243-84E9-DA0A5D8F896E}"/>
+                <a16:creationId xmlns:a16="http://schemas.microsoft.com/office/drawing/2014/main" id="{5D6217C7-BDD7-FA4D-A7EB-D576D2062B03}"/>
               </a:ext>
             </a:extLst>
           </p:cNvPr>
@@ -4910,67 +5094,14 @@
           <a:bodyPr/>
           <a:lstStyle/>
           <a:p>
-            <a:pPr marL="0" indent="0">
-              <a:buNone/>
-            </a:pPr>
-            <a:r>
-              <a:rPr lang="en-GB" dirty="0"/>
-              <a:t>We can use ensembles to estimate the uncertainty of our model. Following the </a:t>
-            </a:r>
-            <a:r>
-              <a:rPr lang="en-GB" dirty="0">
-                <a:hlinkClick r:id="rId2"/>
-              </a:rPr>
-              <a:t>paper</a:t>
-            </a:r>
-            <a:r>
-              <a:rPr lang="en-GB" dirty="0"/>
-              <a:t> from Lakshminarayanan et al. (Deep Mind): </a:t>
-            </a:r>
-          </a:p>
-          <a:p>
-            <a:pPr>
-              <a:buFont typeface="Wingdings" pitchFamily="2" charset="2"/>
-              <a:buChar char="Ø"/>
-            </a:pPr>
-            <a:r>
-              <a:rPr lang="en-GB" dirty="0"/>
-              <a:t> Gaussian approximation, mean and variance are taken as value and error respectively </a:t>
-            </a:r>
-          </a:p>
-          <a:p>
-            <a:pPr>
-              <a:buFont typeface="Wingdings" pitchFamily="2" charset="2"/>
-              <a:buChar char="Ø"/>
-            </a:pPr>
-            <a:r>
-              <a:rPr lang="en-GB" dirty="0"/>
-              <a:t> Overcomes the challenge of assigning larger uncertainty for unseen data </a:t>
-            </a:r>
-          </a:p>
-          <a:p>
-            <a:pPr>
-              <a:buFont typeface="Wingdings" pitchFamily="2" charset="2"/>
-              <a:buChar char="Ø"/>
-            </a:pPr>
-            <a:r>
-              <a:rPr lang="en-GB" dirty="0"/>
-              <a:t> Easy to implement (as opposed to creating a Bayesian neural network) </a:t>
-            </a:r>
-          </a:p>
-          <a:p>
-            <a:pPr>
-              <a:buFont typeface="Wingdings" pitchFamily="2" charset="2"/>
-              <a:buChar char="Ø"/>
-            </a:pPr>
-            <a:endParaRPr lang="en-GB" dirty="0"/>
+            <a:endParaRPr lang="en-GB"/>
           </a:p>
         </p:txBody>
       </p:sp>
     </p:spTree>
     <p:extLst>
       <p:ext uri="{BB962C8B-B14F-4D97-AF65-F5344CB8AC3E}">
-        <p14:creationId xmlns:p14="http://schemas.microsoft.com/office/powerpoint/2010/main" val="2914195855"/>
+        <p14:creationId xmlns:p14="http://schemas.microsoft.com/office/powerpoint/2010/main" val="4223181540"/>
       </p:ext>
     </p:extLst>
   </p:cSld>
@@ -5002,7 +5133,7 @@
           <p:cNvPr id="2" name="Title 1">
             <a:extLst>
               <a:ext uri="{FF2B5EF4-FFF2-40B4-BE49-F238E27FC236}">
-                <a16:creationId xmlns:a16="http://schemas.microsoft.com/office/drawing/2014/main" id="{6D589649-B8E4-C448-8165-EBA750CA89C2}"/>
+                <a16:creationId xmlns:a16="http://schemas.microsoft.com/office/drawing/2014/main" id="{A144D73C-B31A-7F4C-9C3B-6D3609C541A8}"/>
               </a:ext>
             </a:extLst>
           </p:cNvPr>
@@ -5020,8 +5151,13 @@
           <a:p>
             <a:r>
               <a:rPr lang="en-GB" dirty="0"/>
-              <a:t>6. Collaboration</a:t>
-            </a:r>
+              <a:t>5.</a:t>
+            </a:r>
+            <a:r>
+              <a:rPr lang="en-US" dirty="0"/>
+              <a:t> Uncertainty </a:t>
+            </a:r>
+            <a:endParaRPr lang="en-GB" dirty="0"/>
           </a:p>
         </p:txBody>
       </p:sp>
@@ -5030,7 +5166,7 @@
           <p:cNvPr id="3" name="Content Placeholder 2">
             <a:extLst>
               <a:ext uri="{FF2B5EF4-FFF2-40B4-BE49-F238E27FC236}">
-                <a16:creationId xmlns:a16="http://schemas.microsoft.com/office/drawing/2014/main" id="{2AC8EFFB-C1BF-2845-B5EB-A01334824C6C}"/>
+                <a16:creationId xmlns:a16="http://schemas.microsoft.com/office/drawing/2014/main" id="{D43A02AF-762D-1243-84E9-DA0A5D8F896E}"/>
               </a:ext>
             </a:extLst>
           </p:cNvPr>
@@ -5051,15 +5187,62 @@
             </a:pPr>
             <a:r>
               <a:rPr lang="en-GB" dirty="0"/>
-              <a:t>We will now be working with Dan and Barney once a week (on Wednesdays at 11am)</a:t>
-            </a:r>
+              <a:t>We can use ensembles to estimate the uncertainty of our model. Following the </a:t>
+            </a:r>
+            <a:r>
+              <a:rPr lang="en-GB" dirty="0">
+                <a:hlinkClick r:id="rId2"/>
+              </a:rPr>
+              <a:t>paper</a:t>
+            </a:r>
+            <a:r>
+              <a:rPr lang="en-GB" dirty="0"/>
+              <a:t> from Lakshminarayanan et al. (Deep Mind): </a:t>
+            </a:r>
+          </a:p>
+          <a:p>
+            <a:pPr>
+              <a:buFont typeface="Wingdings" pitchFamily="2" charset="2"/>
+              <a:buChar char="Ø"/>
+            </a:pPr>
+            <a:r>
+              <a:rPr lang="en-GB" dirty="0"/>
+              <a:t> Gaussian approximation, mean and variance are taken as value and error respectively </a:t>
+            </a:r>
+          </a:p>
+          <a:p>
+            <a:pPr>
+              <a:buFont typeface="Wingdings" pitchFamily="2" charset="2"/>
+              <a:buChar char="Ø"/>
+            </a:pPr>
+            <a:r>
+              <a:rPr lang="en-GB" dirty="0"/>
+              <a:t> Overcomes the challenge of assigning larger uncertainty for unseen data </a:t>
+            </a:r>
+          </a:p>
+          <a:p>
+            <a:pPr>
+              <a:buFont typeface="Wingdings" pitchFamily="2" charset="2"/>
+              <a:buChar char="Ø"/>
+            </a:pPr>
+            <a:r>
+              <a:rPr lang="en-GB" dirty="0"/>
+              <a:t> Easy to implement (as opposed to creating a Bayesian neural network) </a:t>
+            </a:r>
+          </a:p>
+          <a:p>
+            <a:pPr>
+              <a:buFont typeface="Wingdings" pitchFamily="2" charset="2"/>
+              <a:buChar char="Ø"/>
+            </a:pPr>
+            <a:endParaRPr lang="en-GB" dirty="0"/>
           </a:p>
         </p:txBody>
       </p:sp>
     </p:spTree>
     <p:extLst>
       <p:ext uri="{BB962C8B-B14F-4D97-AF65-F5344CB8AC3E}">
-        <p14:creationId xmlns:p14="http://schemas.microsoft.com/office/powerpoint/2010/main" val="1149579632"/>
+        <p14:creationId xmlns:p14="http://schemas.microsoft.com/office/powerpoint/2010/main" val="2914195855"/>
       </p:ext>
     </p:extLst>
   </p:cSld>

--- a/Material_for_meeting_070119.pptx
+++ b/Material_for_meeting_070119.pptx
@@ -12,10 +12,10 @@
     <p:sldId id="257" r:id="rId3"/>
     <p:sldId id="258" r:id="rId4"/>
     <p:sldId id="270" r:id="rId5"/>
-    <p:sldId id="268" r:id="rId6"/>
-    <p:sldId id="265" r:id="rId7"/>
-    <p:sldId id="261" r:id="rId8"/>
-    <p:sldId id="269" r:id="rId9"/>
+    <p:sldId id="269" r:id="rId6"/>
+    <p:sldId id="268" r:id="rId7"/>
+    <p:sldId id="265" r:id="rId8"/>
+    <p:sldId id="261" r:id="rId9"/>
     <p:sldId id="262" r:id="rId10"/>
     <p:sldId id="266" r:id="rId11"/>
     <p:sldId id="263" r:id="rId12"/>
@@ -551,6 +551,176 @@
           <a:p>
             <a:fld id="{F457F641-BBB2-1140-BE6C-55282FEFEC2E}" type="slidenum">
               <a:rPr lang="en-GB" smtClean="0"/>
+              <a:pPr/>
+              <a:t>1</a:t>
+            </a:fld>
+            <a:endParaRPr lang="en-GB" dirty="0"/>
+          </a:p>
+        </p:txBody>
+      </p:sp>
+    </p:spTree>
+    <p:extLst>
+      <p:ext uri="{BB962C8B-B14F-4D97-AF65-F5344CB8AC3E}">
+        <p14:creationId xmlns:p14="http://schemas.microsoft.com/office/powerpoint/2010/main" val="1081593662"/>
+      </p:ext>
+    </p:extLst>
+  </p:cSld>
+  <p:clrMapOvr>
+    <a:masterClrMapping/>
+  </p:clrMapOvr>
+</p:notes>
+</file>
+
+<file path=ppt/notesSlides/notesSlide2.xml><?xml version="1.0" encoding="utf-8"?>
+<p:notes xmlns:a="http://schemas.openxmlformats.org/drawingml/2006/main" xmlns:r="http://schemas.openxmlformats.org/officeDocument/2006/relationships" xmlns:p="http://schemas.openxmlformats.org/presentationml/2006/main">
+  <p:cSld>
+    <p:spTree>
+      <p:nvGrpSpPr>
+        <p:cNvPr id="1" name=""/>
+        <p:cNvGrpSpPr/>
+        <p:nvPr/>
+      </p:nvGrpSpPr>
+      <p:grpSpPr>
+        <a:xfrm>
+          <a:off x="0" y="0"/>
+          <a:ext cx="0" cy="0"/>
+          <a:chOff x="0" y="0"/>
+          <a:chExt cx="0" cy="0"/>
+        </a:xfrm>
+      </p:grpSpPr>
+      <p:sp>
+        <p:nvSpPr>
+          <p:cNvPr id="2" name="Slide Image Placeholder 1"/>
+          <p:cNvSpPr>
+            <a:spLocks noGrp="1" noRot="1" noChangeAspect="1"/>
+          </p:cNvSpPr>
+          <p:nvPr>
+            <p:ph type="sldImg"/>
+          </p:nvPr>
+        </p:nvSpPr>
+        <p:spPr/>
+      </p:sp>
+      <p:sp>
+        <p:nvSpPr>
+          <p:cNvPr id="3" name="Notes Placeholder 2"/>
+          <p:cNvSpPr>
+            <a:spLocks noGrp="1"/>
+          </p:cNvSpPr>
+          <p:nvPr>
+            <p:ph type="body" idx="1"/>
+          </p:nvPr>
+        </p:nvSpPr>
+        <p:spPr/>
+        <p:txBody>
+          <a:bodyPr/>
+          <a:lstStyle/>
+          <a:p>
+            <a:endParaRPr lang="en-GB" dirty="0"/>
+          </a:p>
+        </p:txBody>
+      </p:sp>
+      <p:sp>
+        <p:nvSpPr>
+          <p:cNvPr id="4" name="Slide Number Placeholder 3"/>
+          <p:cNvSpPr>
+            <a:spLocks noGrp="1"/>
+          </p:cNvSpPr>
+          <p:nvPr>
+            <p:ph type="sldNum" sz="quarter" idx="5"/>
+          </p:nvPr>
+        </p:nvSpPr>
+        <p:spPr/>
+        <p:txBody>
+          <a:bodyPr/>
+          <a:lstStyle/>
+          <a:p>
+            <a:fld id="{F457F641-BBB2-1140-BE6C-55282FEFEC2E}" type="slidenum">
+              <a:rPr lang="en-GB" smtClean="0"/>
+              <a:pPr/>
+              <a:t>4</a:t>
+            </a:fld>
+            <a:endParaRPr lang="en-GB" dirty="0"/>
+          </a:p>
+        </p:txBody>
+      </p:sp>
+    </p:spTree>
+    <p:extLst>
+      <p:ext uri="{BB962C8B-B14F-4D97-AF65-F5344CB8AC3E}">
+        <p14:creationId xmlns:p14="http://schemas.microsoft.com/office/powerpoint/2010/main" val="3874021110"/>
+      </p:ext>
+    </p:extLst>
+  </p:cSld>
+  <p:clrMapOvr>
+    <a:masterClrMapping/>
+  </p:clrMapOvr>
+</p:notes>
+</file>
+
+<file path=ppt/notesSlides/notesSlide3.xml><?xml version="1.0" encoding="utf-8"?>
+<p:notes xmlns:a="http://schemas.openxmlformats.org/drawingml/2006/main" xmlns:r="http://schemas.openxmlformats.org/officeDocument/2006/relationships" xmlns:p="http://schemas.openxmlformats.org/presentationml/2006/main">
+  <p:cSld>
+    <p:spTree>
+      <p:nvGrpSpPr>
+        <p:cNvPr id="1" name=""/>
+        <p:cNvGrpSpPr/>
+        <p:nvPr/>
+      </p:nvGrpSpPr>
+      <p:grpSpPr>
+        <a:xfrm>
+          <a:off x="0" y="0"/>
+          <a:ext cx="0" cy="0"/>
+          <a:chOff x="0" y="0"/>
+          <a:chExt cx="0" cy="0"/>
+        </a:xfrm>
+      </p:grpSpPr>
+      <p:sp>
+        <p:nvSpPr>
+          <p:cNvPr id="2" name="Slide Image Placeholder 1"/>
+          <p:cNvSpPr>
+            <a:spLocks noGrp="1" noRot="1" noChangeAspect="1"/>
+          </p:cNvSpPr>
+          <p:nvPr>
+            <p:ph type="sldImg"/>
+          </p:nvPr>
+        </p:nvSpPr>
+        <p:spPr/>
+      </p:sp>
+      <p:sp>
+        <p:nvSpPr>
+          <p:cNvPr id="3" name="Notes Placeholder 2"/>
+          <p:cNvSpPr>
+            <a:spLocks noGrp="1"/>
+          </p:cNvSpPr>
+          <p:nvPr>
+            <p:ph type="body" idx="1"/>
+          </p:nvPr>
+        </p:nvSpPr>
+        <p:spPr/>
+        <p:txBody>
+          <a:bodyPr/>
+          <a:lstStyle/>
+          <a:p>
+            <a:endParaRPr lang="en-GB" dirty="0"/>
+          </a:p>
+        </p:txBody>
+      </p:sp>
+      <p:sp>
+        <p:nvSpPr>
+          <p:cNvPr id="4" name="Slide Number Placeholder 3"/>
+          <p:cNvSpPr>
+            <a:spLocks noGrp="1"/>
+          </p:cNvSpPr>
+          <p:nvPr>
+            <p:ph type="sldNum" sz="quarter" idx="5"/>
+          </p:nvPr>
+        </p:nvSpPr>
+        <p:spPr/>
+        <p:txBody>
+          <a:bodyPr/>
+          <a:lstStyle/>
+          <a:p>
+            <a:fld id="{F457F641-BBB2-1140-BE6C-55282FEFEC2E}" type="slidenum">
+              <a:rPr lang="en-GB" smtClean="0"/>
               <a:t>10</a:t>
             </a:fld>
             <a:endParaRPr lang="en-GB"/>
@@ -717,7 +887,7 @@
           <a:p>
             <a:fld id="{D212F8D9-9F93-C94F-94AF-755A8CDFDFC6}" type="datetimeFigureOut">
               <a:rPr lang="en-US" smtClean="0"/>
-              <a:t>1/6/2019</a:t>
+              <a:t>1/6/19</a:t>
             </a:fld>
             <a:endParaRPr lang="en-US"/>
           </a:p>
@@ -915,7 +1085,7 @@
           <a:p>
             <a:fld id="{D212F8D9-9F93-C94F-94AF-755A8CDFDFC6}" type="datetimeFigureOut">
               <a:rPr lang="en-US" smtClean="0"/>
-              <a:t>1/6/2019</a:t>
+              <a:t>1/6/19</a:t>
             </a:fld>
             <a:endParaRPr lang="en-US"/>
           </a:p>
@@ -1123,7 +1293,7 @@
           <a:p>
             <a:fld id="{D212F8D9-9F93-C94F-94AF-755A8CDFDFC6}" type="datetimeFigureOut">
               <a:rPr lang="en-US" smtClean="0"/>
-              <a:t>1/6/2019</a:t>
+              <a:t>1/6/19</a:t>
             </a:fld>
             <a:endParaRPr lang="en-US"/>
           </a:p>
@@ -1321,7 +1491,7 @@
           <a:p>
             <a:fld id="{D212F8D9-9F93-C94F-94AF-755A8CDFDFC6}" type="datetimeFigureOut">
               <a:rPr lang="en-US" smtClean="0"/>
-              <a:t>1/6/2019</a:t>
+              <a:t>1/6/19</a:t>
             </a:fld>
             <a:endParaRPr lang="en-US"/>
           </a:p>
@@ -1596,7 +1766,7 @@
           <a:p>
             <a:fld id="{D212F8D9-9F93-C94F-94AF-755A8CDFDFC6}" type="datetimeFigureOut">
               <a:rPr lang="en-US" smtClean="0"/>
-              <a:t>1/6/2019</a:t>
+              <a:t>1/6/19</a:t>
             </a:fld>
             <a:endParaRPr lang="en-US"/>
           </a:p>
@@ -1861,7 +2031,7 @@
           <a:p>
             <a:fld id="{D212F8D9-9F93-C94F-94AF-755A8CDFDFC6}" type="datetimeFigureOut">
               <a:rPr lang="en-US" smtClean="0"/>
-              <a:t>1/6/2019</a:t>
+              <a:t>1/6/19</a:t>
             </a:fld>
             <a:endParaRPr lang="en-US"/>
           </a:p>
@@ -2273,7 +2443,7 @@
           <a:p>
             <a:fld id="{D212F8D9-9F93-C94F-94AF-755A8CDFDFC6}" type="datetimeFigureOut">
               <a:rPr lang="en-US" smtClean="0"/>
-              <a:t>1/6/2019</a:t>
+              <a:t>1/6/19</a:t>
             </a:fld>
             <a:endParaRPr lang="en-US"/>
           </a:p>
@@ -2414,7 +2584,7 @@
           <a:p>
             <a:fld id="{D212F8D9-9F93-C94F-94AF-755A8CDFDFC6}" type="datetimeFigureOut">
               <a:rPr lang="en-US" smtClean="0"/>
-              <a:t>1/6/2019</a:t>
+              <a:t>1/6/19</a:t>
             </a:fld>
             <a:endParaRPr lang="en-US"/>
           </a:p>
@@ -2527,7 +2697,7 @@
           <a:p>
             <a:fld id="{D212F8D9-9F93-C94F-94AF-755A8CDFDFC6}" type="datetimeFigureOut">
               <a:rPr lang="en-US" smtClean="0"/>
-              <a:t>1/6/2019</a:t>
+              <a:t>1/6/19</a:t>
             </a:fld>
             <a:endParaRPr lang="en-US"/>
           </a:p>
@@ -2838,7 +3008,7 @@
           <a:p>
             <a:fld id="{D212F8D9-9F93-C94F-94AF-755A8CDFDFC6}" type="datetimeFigureOut">
               <a:rPr lang="en-US" smtClean="0"/>
-              <a:t>1/6/2019</a:t>
+              <a:t>1/6/19</a:t>
             </a:fld>
             <a:endParaRPr lang="en-US"/>
           </a:p>
@@ -3126,7 +3296,7 @@
           <a:p>
             <a:fld id="{D212F8D9-9F93-C94F-94AF-755A8CDFDFC6}" type="datetimeFigureOut">
               <a:rPr lang="en-US" smtClean="0"/>
-              <a:t>1/6/2019</a:t>
+              <a:t>1/6/19</a:t>
             </a:fld>
             <a:endParaRPr lang="en-US"/>
           </a:p>
@@ -3369,7 +3539,7 @@
             <a:fld id="{D212F8D9-9F93-C94F-94AF-755A8CDFDFC6}" type="datetimeFigureOut">
               <a:rPr lang="en-US" smtClean="0"/>
               <a:pPr/>
-              <a:t>1/6/2019</a:t>
+              <a:t>1/6/19</a:t>
             </a:fld>
             <a:endParaRPr lang="en-US" dirty="0"/>
           </a:p>
@@ -3775,6 +3945,14 @@
 <file path=ppt/slides/slide1.xml><?xml version="1.0" encoding="utf-8"?>
 <p:sld xmlns:a="http://schemas.openxmlformats.org/drawingml/2006/main" xmlns:r="http://schemas.openxmlformats.org/officeDocument/2006/relationships" xmlns:p="http://schemas.openxmlformats.org/presentationml/2006/main">
   <p:cSld>
+    <p:bg>
+      <p:bgPr>
+        <a:solidFill>
+          <a:srgbClr val="000000"/>
+        </a:solidFill>
+        <a:effectLst/>
+      </p:bgPr>
+    </p:bg>
     <p:spTree>
       <p:nvGrpSpPr>
         <p:cNvPr id="1" name=""/>
@@ -3791,6 +3969,101 @@
       </p:grpSpPr>
       <p:sp>
         <p:nvSpPr>
+          <p:cNvPr id="10" name="Rectangle 9">
+            <a:extLst>
+              <a:ext uri="{FF2B5EF4-FFF2-40B4-BE49-F238E27FC236}">
+                <a16:creationId xmlns:a16="http://schemas.microsoft.com/office/drawing/2014/main" id="{71B2258F-86CA-4D4D-8270-BC05FCDEBFB3}"/>
+              </a:ext>
+              <a:ext uri="{C183D7F6-B498-43B3-948B-1728B52AA6E4}">
+                <adec:decorative xmlns:adec="http://schemas.microsoft.com/office/drawing/2017/decorative" val="1"/>
+              </a:ext>
+            </a:extLst>
+          </p:cNvPr>
+          <p:cNvSpPr>
+            <a:spLocks noGrp="1" noRot="1" noChangeAspect="1" noMove="1" noResize="1" noEditPoints="1" noAdjustHandles="1" noChangeArrowheads="1" noChangeShapeType="1" noTextEdit="1"/>
+          </p:cNvSpPr>
+          <p:nvPr>
+            <p:extLst>
+              <p:ext uri="{386F3935-93C4-4BCD-93E2-E3B085C9AB24}">
+                <p16:designElem xmlns:p16="http://schemas.microsoft.com/office/powerpoint/2015/main" val="1"/>
+              </p:ext>
+            </p:extLst>
+          </p:nvPr>
+        </p:nvSpPr>
+        <p:spPr>
+          <a:xfrm>
+            <a:off x="0" y="0"/>
+            <a:ext cx="12192000" cy="6857999"/>
+          </a:xfrm>
+          <a:prstGeom prst="rect">
+            <a:avLst/>
+          </a:prstGeom>
+          <a:solidFill>
+            <a:srgbClr val="000000"/>
+          </a:solidFill>
+          <a:ln>
+            <a:noFill/>
+          </a:ln>
+        </p:spPr>
+        <p:style>
+          <a:lnRef idx="2">
+            <a:schemeClr val="accent1">
+              <a:shade val="50000"/>
+            </a:schemeClr>
+          </a:lnRef>
+          <a:fillRef idx="1">
+            <a:schemeClr val="accent1"/>
+          </a:fillRef>
+          <a:effectRef idx="0">
+            <a:schemeClr val="accent1"/>
+          </a:effectRef>
+          <a:fontRef idx="minor">
+            <a:schemeClr val="lt1"/>
+          </a:fontRef>
+        </p:style>
+        <p:txBody>
+          <a:bodyPr rtlCol="0" anchor="ctr"/>
+          <a:lstStyle/>
+          <a:p>
+            <a:pPr algn="ctr"/>
+            <a:endParaRPr lang="en-US"/>
+          </a:p>
+        </p:txBody>
+      </p:sp>
+      <p:pic>
+        <p:nvPicPr>
+          <p:cNvPr id="5" name="Picture 4">
+            <a:extLst>
+              <a:ext uri="{FF2B5EF4-FFF2-40B4-BE49-F238E27FC236}">
+                <a16:creationId xmlns:a16="http://schemas.microsoft.com/office/drawing/2014/main" id="{62F96E23-BB52-294F-B798-4DA34B57A8AA}"/>
+              </a:ext>
+            </a:extLst>
+          </p:cNvPr>
+          <p:cNvPicPr>
+            <a:picLocks noChangeAspect="1"/>
+          </p:cNvPicPr>
+          <p:nvPr/>
+        </p:nvPicPr>
+        <p:blipFill rotWithShape="1">
+          <a:blip r:embed="rId3">
+            <a:alphaModFix amt="50000"/>
+            <a:extLst/>
+          </a:blip>
+          <a:srcRect l="12500" t="18205" r="9062" b="8266"/>
+          <a:stretch/>
+        </p:blipFill>
+        <p:spPr>
+          <a:xfrm>
+            <a:off x="1524000" y="1"/>
+            <a:ext cx="9563100" cy="6857999"/>
+          </a:xfrm>
+          <a:prstGeom prst="rect">
+            <a:avLst/>
+          </a:prstGeom>
+        </p:spPr>
+      </p:pic>
+      <p:sp>
+        <p:nvSpPr>
           <p:cNvPr id="2" name="Title 1">
             <a:extLst>
               <a:ext uri="{FF2B5EF4-FFF2-40B4-BE49-F238E27FC236}">
@@ -3805,13 +4078,24 @@
             <p:ph type="ctrTitle"/>
           </p:nvPr>
         </p:nvSpPr>
-        <p:spPr/>
-        <p:txBody>
-          <a:bodyPr/>
-          <a:lstStyle/>
-          <a:p>
-            <a:r>
-              <a:rPr lang="en-US" dirty="0"/>
+        <p:spPr>
+          <a:xfrm>
+            <a:off x="1524000" y="1122362"/>
+            <a:ext cx="9144000" cy="2900518"/>
+          </a:xfrm>
+        </p:spPr>
+        <p:txBody>
+          <a:bodyPr>
+            <a:normAutofit/>
+          </a:bodyPr>
+          <a:lstStyle/>
+          <a:p>
+            <a:r>
+              <a:rPr lang="en-US">
+                <a:solidFill>
+                  <a:srgbClr val="FFFFFF"/>
+                </a:solidFill>
+              </a:rPr>
               <a:t>Material for Meeting</a:t>
             </a:r>
           </a:p>
@@ -3833,27 +4117,50 @@
             <p:ph type="subTitle" idx="1"/>
           </p:nvPr>
         </p:nvSpPr>
-        <p:spPr/>
-        <p:txBody>
-          <a:bodyPr/>
-          <a:lstStyle/>
-          <a:p>
-            <a:r>
-              <a:rPr lang="en-US" dirty="0"/>
+        <p:spPr>
+          <a:xfrm>
+            <a:off x="1524000" y="4159404"/>
+            <a:ext cx="9144000" cy="1098395"/>
+          </a:xfrm>
+        </p:spPr>
+        <p:txBody>
+          <a:bodyPr>
+            <a:normAutofit/>
+          </a:bodyPr>
+          <a:lstStyle/>
+          <a:p>
+            <a:r>
+              <a:rPr lang="en-US">
+                <a:solidFill>
+                  <a:srgbClr val="FFFFFF"/>
+                </a:solidFill>
+              </a:rPr>
               <a:t>7</a:t>
             </a:r>
             <a:r>
-              <a:rPr lang="en-US" baseline="30000" dirty="0"/>
+              <a:rPr lang="en-US" baseline="30000">
+                <a:solidFill>
+                  <a:srgbClr val="FFFFFF"/>
+                </a:solidFill>
+              </a:rPr>
               <a:t>th</a:t>
             </a:r>
             <a:r>
-              <a:rPr lang="en-US" dirty="0"/>
+              <a:rPr lang="en-US">
+                <a:solidFill>
+                  <a:srgbClr val="FFFFFF"/>
+                </a:solidFill>
+              </a:rPr>
               <a:t> January 2019</a:t>
             </a:r>
           </a:p>
           <a:p>
             <a:r>
-              <a:rPr lang="en-US" dirty="0"/>
+              <a:rPr lang="en-US">
+                <a:solidFill>
+                  <a:srgbClr val="FFFFFF"/>
+                </a:solidFill>
+              </a:rPr>
               <a:t>Special Edition </a:t>
             </a:r>
           </a:p>
@@ -3867,7 +4174,7 @@
     </p:extLst>
   </p:cSld>
   <p:clrMapOvr>
-    <a:masterClrMapping/>
+    <a:overrideClrMapping bg1="dk1" tx1="lt1" bg2="dk2" tx2="lt2" accent1="accent1" accent2="accent2" accent3="accent3" accent4="accent4" accent5="accent5" accent6="accent6" hlink="hlink" folHlink="folHlink"/>
   </p:clrMapOvr>
 </p:sld>
 </file>
@@ -4025,7 +4332,9 @@
         </p:nvSpPr>
         <p:spPr/>
         <p:txBody>
-          <a:bodyPr/>
+          <a:bodyPr>
+            <a:normAutofit lnSpcReduction="10000"/>
+          </a:bodyPr>
           <a:lstStyle/>
           <a:p>
             <a:r>
@@ -4066,6 +4375,18 @@
               <a:rPr lang="en-GB" dirty="0"/>
               <a:t>What is the best way to generate uncertainty?</a:t>
             </a:r>
+          </a:p>
+          <a:p>
+            <a:r>
+              <a:rPr lang="en-GB" dirty="0"/>
+              <a:t>We want to use the time difference between the CALIOP/CATS and SLSTR data as a model input, but what do we use as a input on test data?</a:t>
+            </a:r>
+          </a:p>
+          <a:p>
+            <a:endParaRPr lang="en-GB" dirty="0"/>
+          </a:p>
+          <a:p>
+            <a:endParaRPr lang="en-GB" dirty="0"/>
           </a:p>
           <a:p>
             <a:endParaRPr lang="en-GB" dirty="0"/>
@@ -4153,7 +4474,7 @@
           <a:p>
             <a:r>
               <a:rPr lang="en-GB" dirty="0"/>
-              <a:t>Match and download the rest of the CATS data</a:t>
+              <a:t>Match and download the rest of the CATS data and CALIOP July 2018</a:t>
             </a:r>
           </a:p>
           <a:p>
@@ -4175,6 +4496,9 @@
             </a:r>
           </a:p>
           <a:p>
+            <a:pPr marL="0" indent="0">
+              <a:buNone/>
+            </a:pPr>
             <a:endParaRPr lang="en-GB" dirty="0"/>
           </a:p>
         </p:txBody>
@@ -4436,7 +4760,7 @@
         <p:spPr/>
         <p:txBody>
           <a:bodyPr>
-            <a:normAutofit lnSpcReduction="10000"/>
+            <a:normAutofit fontScale="92500" lnSpcReduction="20000"/>
           </a:bodyPr>
           <a:lstStyle/>
           <a:p>
@@ -4474,7 +4798,7 @@
             </a:pPr>
             <a:r>
               <a:rPr lang="en-GB" dirty="0"/>
-              <a:t>Monday morning (except 10 to 11)</a:t>
+              <a:t>Monday morning</a:t>
             </a:r>
           </a:p>
           <a:p>
@@ -4522,6 +4846,15 @@
               <a:buNone/>
             </a:pPr>
             <a:endParaRPr lang="en-GB" dirty="0"/>
+          </a:p>
+          <a:p>
+            <a:pPr marL="0" indent="0">
+              <a:buNone/>
+            </a:pPr>
+            <a:r>
+              <a:rPr lang="en-GB" dirty="0"/>
+              <a:t>The NN model and datasets can now be saved and loaded.</a:t>
+            </a:r>
           </a:p>
           <a:p>
             <a:pPr marL="0" indent="0">
@@ -4561,68 +4894,12 @@
           <a:chExt cx="0" cy="0"/>
         </a:xfrm>
       </p:grpSpPr>
-      <p:sp>
-        <p:nvSpPr>
-          <p:cNvPr id="2" name="Title 1">
-            <a:extLst>
-              <a:ext uri="{FF2B5EF4-FFF2-40B4-BE49-F238E27FC236}">
-                <a16:creationId xmlns:a16="http://schemas.microsoft.com/office/drawing/2014/main" id="{B3FBF47D-C8BB-4E9F-8A37-8E337EFD7D04}"/>
-              </a:ext>
-            </a:extLst>
-          </p:cNvPr>
-          <p:cNvSpPr>
-            <a:spLocks noGrp="1"/>
-          </p:cNvSpPr>
-          <p:nvPr>
-            <p:ph type="title"/>
-          </p:nvPr>
-        </p:nvSpPr>
-        <p:spPr/>
-        <p:txBody>
-          <a:bodyPr/>
-          <a:lstStyle/>
-          <a:p>
-            <a:r>
-              <a:rPr lang="en-GB" dirty="0"/>
-              <a:t>Example plot</a:t>
-            </a:r>
-          </a:p>
-        </p:txBody>
-      </p:sp>
       <p:pic>
         <p:nvPicPr>
-          <p:cNvPr id="7" name="Content Placeholder 6">
-            <a:extLst>
-              <a:ext uri="{FF2B5EF4-FFF2-40B4-BE49-F238E27FC236}">
-                <a16:creationId xmlns:a16="http://schemas.microsoft.com/office/drawing/2014/main" id="{A7C83749-F3D5-46F9-849B-E948AB15F12F}"/>
-              </a:ext>
-            </a:extLst>
-          </p:cNvPr>
-          <p:cNvPicPr>
-            <a:picLocks noGrp="1" noChangeAspect="1"/>
-          </p:cNvPicPr>
-          <p:nvPr>
-            <p:ph idx="1"/>
-          </p:nvPr>
-        </p:nvPicPr>
-        <p:blipFill rotWithShape="1">
-          <a:blip r:embed="rId2"/>
-          <a:srcRect l="18411" r="19857"/>
-          <a:stretch/>
-        </p:blipFill>
-        <p:spPr>
-          <a:xfrm>
-            <a:off x="838200" y="1612561"/>
-            <a:ext cx="5434584" cy="4351338"/>
-          </a:xfrm>
-        </p:spPr>
-      </p:pic>
-      <p:pic>
-        <p:nvPicPr>
-          <p:cNvPr id="9" name="Picture 8">
-            <a:extLst>
-              <a:ext uri="{FF2B5EF4-FFF2-40B4-BE49-F238E27FC236}">
-                <a16:creationId xmlns:a16="http://schemas.microsoft.com/office/drawing/2014/main" id="{AFFC8050-1EE9-4BD1-8521-C3E5B751732E}"/>
+          <p:cNvPr id="6" name="Picture 5">
+            <a:extLst>
+              <a:ext uri="{FF2B5EF4-FFF2-40B4-BE49-F238E27FC236}">
+                <a16:creationId xmlns:a16="http://schemas.microsoft.com/office/drawing/2014/main" id="{CAC21116-0F15-0642-B7C8-0FAE85C8500D}"/>
               </a:ext>
             </a:extLst>
           </p:cNvPr>
@@ -4639,7 +4916,7 @@
         </p:blipFill>
         <p:spPr>
           <a:xfrm>
-            <a:off x="5868725" y="1521121"/>
+            <a:off x="611620" y="1521121"/>
             <a:ext cx="5852172" cy="4370841"/>
           </a:xfrm>
           <a:prstGeom prst="rect">
@@ -4649,6 +4926,92 @@
       </p:pic>
       <p:sp>
         <p:nvSpPr>
+          <p:cNvPr id="2" name="Title 1">
+            <a:extLst>
+              <a:ext uri="{FF2B5EF4-FFF2-40B4-BE49-F238E27FC236}">
+                <a16:creationId xmlns:a16="http://schemas.microsoft.com/office/drawing/2014/main" id="{B3FBF47D-C8BB-4E9F-8A37-8E337EFD7D04}"/>
+              </a:ext>
+            </a:extLst>
+          </p:cNvPr>
+          <p:cNvSpPr>
+            <a:spLocks noGrp="1"/>
+          </p:cNvSpPr>
+          <p:nvPr>
+            <p:ph type="title"/>
+          </p:nvPr>
+        </p:nvSpPr>
+        <p:spPr/>
+        <p:txBody>
+          <a:bodyPr/>
+          <a:lstStyle/>
+          <a:p>
+            <a:r>
+              <a:rPr lang="en-GB" dirty="0"/>
+              <a:t>Example plots</a:t>
+            </a:r>
+          </a:p>
+        </p:txBody>
+      </p:sp>
+      <p:pic>
+        <p:nvPicPr>
+          <p:cNvPr id="7" name="Content Placeholder 6">
+            <a:extLst>
+              <a:ext uri="{FF2B5EF4-FFF2-40B4-BE49-F238E27FC236}">
+                <a16:creationId xmlns:a16="http://schemas.microsoft.com/office/drawing/2014/main" id="{A7C83749-F3D5-46F9-849B-E948AB15F12F}"/>
+              </a:ext>
+            </a:extLst>
+          </p:cNvPr>
+          <p:cNvPicPr>
+            <a:picLocks noGrp="1" noChangeAspect="1"/>
+          </p:cNvPicPr>
+          <p:nvPr>
+            <p:ph idx="1"/>
+          </p:nvPr>
+        </p:nvPicPr>
+        <p:blipFill rotWithShape="1">
+          <a:blip r:embed="rId4"/>
+          <a:srcRect l="29980" t="12265" r="24741" b="11266"/>
+          <a:stretch/>
+        </p:blipFill>
+        <p:spPr>
+          <a:xfrm>
+            <a:off x="1692234" y="2048779"/>
+            <a:ext cx="4025735" cy="3360432"/>
+          </a:xfrm>
+        </p:spPr>
+      </p:pic>
+      <p:pic>
+        <p:nvPicPr>
+          <p:cNvPr id="9" name="Picture 8">
+            <a:extLst>
+              <a:ext uri="{FF2B5EF4-FFF2-40B4-BE49-F238E27FC236}">
+                <a16:creationId xmlns:a16="http://schemas.microsoft.com/office/drawing/2014/main" id="{AFFC8050-1EE9-4BD1-8521-C3E5B751732E}"/>
+              </a:ext>
+            </a:extLst>
+          </p:cNvPr>
+          <p:cNvPicPr>
+            <a:picLocks noChangeAspect="1"/>
+          </p:cNvPicPr>
+          <p:nvPr/>
+        </p:nvPicPr>
+        <p:blipFill>
+          <a:blip r:embed="rId3"/>
+          <a:stretch>
+            <a:fillRect/>
+          </a:stretch>
+        </p:blipFill>
+        <p:spPr>
+          <a:xfrm>
+            <a:off x="5887206" y="1521121"/>
+            <a:ext cx="5852172" cy="4370841"/>
+          </a:xfrm>
+          <a:prstGeom prst="rect">
+            <a:avLst/>
+          </a:prstGeom>
+        </p:spPr>
+      </p:pic>
+      <p:sp>
+        <p:nvSpPr>
           <p:cNvPr id="10" name="TextBox 9">
             <a:extLst>
               <a:ext uri="{FF2B5EF4-FFF2-40B4-BE49-F238E27FC236}">
@@ -4661,7 +5024,7 @@
         </p:nvSpPr>
         <p:spPr>
           <a:xfrm>
-            <a:off x="1965960" y="5891962"/>
+            <a:off x="1407160" y="5767302"/>
             <a:ext cx="9198864" cy="646331"/>
           </a:xfrm>
           <a:prstGeom prst="rect">
@@ -4691,7 +5054,7 @@
     </p:spTree>
     <p:extLst>
       <p:ext uri="{BB962C8B-B14F-4D97-AF65-F5344CB8AC3E}">
-        <p14:creationId xmlns:p14="http://schemas.microsoft.com/office/powerpoint/2010/main" val="769132471"/>
+        <p14:creationId xmlns:p14="http://schemas.microsoft.com/office/powerpoint/2010/main" val="2623198772"/>
       </p:ext>
     </p:extLst>
   </p:cSld>
@@ -4718,117 +5081,99 @@
           <a:chExt cx="0" cy="0"/>
         </a:xfrm>
       </p:grpSpPr>
-      <p:sp>
-        <p:nvSpPr>
-          <p:cNvPr id="2" name="Title 1">
-            <a:extLst>
-              <a:ext uri="{FF2B5EF4-FFF2-40B4-BE49-F238E27FC236}">
-                <a16:creationId xmlns:a16="http://schemas.microsoft.com/office/drawing/2014/main" id="{A0433B50-0420-6745-8A9D-299A057D31DD}"/>
-              </a:ext>
-            </a:extLst>
-          </p:cNvPr>
-          <p:cNvSpPr>
-            <a:spLocks noGrp="1"/>
-          </p:cNvSpPr>
-          <p:nvPr>
-            <p:ph type="title"/>
-          </p:nvPr>
-        </p:nvSpPr>
-        <p:spPr/>
-        <p:txBody>
-          <a:bodyPr/>
-          <a:lstStyle/>
-          <a:p>
-            <a:r>
-              <a:rPr lang="en-GB" dirty="0"/>
-              <a:t>2. </a:t>
-            </a:r>
-            <a:r>
-              <a:rPr lang="en-US" dirty="0"/>
-              <a:t>New data</a:t>
-            </a:r>
-            <a:endParaRPr lang="en-GB" dirty="0"/>
-          </a:p>
-        </p:txBody>
-      </p:sp>
-      <p:sp>
-        <p:nvSpPr>
-          <p:cNvPr id="3" name="Content Placeholder 2">
-            <a:extLst>
-              <a:ext uri="{FF2B5EF4-FFF2-40B4-BE49-F238E27FC236}">
-                <a16:creationId xmlns:a16="http://schemas.microsoft.com/office/drawing/2014/main" id="{D7A063D3-87DA-254F-B5E3-5FEF85A84D65}"/>
-              </a:ext>
-            </a:extLst>
-          </p:cNvPr>
-          <p:cNvSpPr>
-            <a:spLocks noGrp="1"/>
-          </p:cNvSpPr>
+      <p:pic>
+        <p:nvPicPr>
+          <p:cNvPr id="5" name="Content Placeholder 4">
+            <a:extLst>
+              <a:ext uri="{FF2B5EF4-FFF2-40B4-BE49-F238E27FC236}">
+                <a16:creationId xmlns:a16="http://schemas.microsoft.com/office/drawing/2014/main" id="{2FE80368-4A47-EA4B-998B-EF070CA29924}"/>
+              </a:ext>
+            </a:extLst>
+          </p:cNvPr>
+          <p:cNvPicPr>
+            <a:picLocks noGrp="1" noChangeAspect="1"/>
+          </p:cNvPicPr>
           <p:nvPr>
             <p:ph idx="1"/>
           </p:nvPr>
-        </p:nvSpPr>
-        <p:spPr/>
-        <p:txBody>
-          <a:bodyPr/>
-          <a:lstStyle/>
-          <a:p>
-            <a:r>
-              <a:rPr lang="en-GB" dirty="0"/>
-              <a:t>Improved data collection by using interpolation between adjacent agreeing CALIOP measurements</a:t>
-            </a:r>
-          </a:p>
-          <a:p>
-            <a:r>
-              <a:rPr lang="en-GB" dirty="0"/>
-              <a:t>Improved CALIOP 2018 data with surface data</a:t>
-            </a:r>
-          </a:p>
-          <a:p>
-            <a:r>
-              <a:rPr lang="en-GB" dirty="0">
-                <a:hlinkClick r:id="rId2"/>
-              </a:rPr>
-              <a:t>https://docs.google.com/spreadsheets/d/1W3gyqzpbKeNRWvtOrYsDbg2UzzVLfw-t74esUQ_12GU/edit#gid=0</a:t>
-            </a:r>
-            <a:endParaRPr lang="en-GB" dirty="0"/>
-          </a:p>
-          <a:p>
-            <a:pPr lvl="1"/>
-            <a:r>
-              <a:rPr lang="en-GB" dirty="0"/>
-              <a:t>Data for &gt; 2.2 million pixels from Jan18 to Aug18 for CALIOP matches</a:t>
-            </a:r>
-          </a:p>
-          <a:p>
-            <a:pPr lvl="1"/>
-            <a:r>
-              <a:rPr lang="en-GB" dirty="0"/>
-              <a:t>Data for ~ 42,000 pixels for CATS matches from Aug17</a:t>
-            </a:r>
-          </a:p>
-          <a:p>
-            <a:pPr lvl="2"/>
-            <a:r>
-              <a:rPr lang="en-GB" dirty="0"/>
-              <a:t>Unable to gather more SLSTR data from 2017</a:t>
-            </a:r>
-          </a:p>
-          <a:p>
-            <a:pPr lvl="1"/>
-            <a:r>
-              <a:rPr lang="en-GB" dirty="0"/>
-              <a:t>See error on Jul18</a:t>
-            </a:r>
-          </a:p>
-          <a:p>
-            <a:endParaRPr lang="en-GB" dirty="0"/>
-          </a:p>
-        </p:txBody>
-      </p:sp>
+        </p:nvPicPr>
+        <p:blipFill>
+          <a:blip r:embed="rId2"/>
+          <a:stretch>
+            <a:fillRect/>
+          </a:stretch>
+        </p:blipFill>
+        <p:spPr>
+          <a:xfrm>
+            <a:off x="400731" y="288925"/>
+            <a:ext cx="4100737" cy="3140075"/>
+          </a:xfrm>
+        </p:spPr>
+      </p:pic>
+      <p:pic>
+        <p:nvPicPr>
+          <p:cNvPr id="6" name="Content Placeholder 4">
+            <a:extLst>
+              <a:ext uri="{FF2B5EF4-FFF2-40B4-BE49-F238E27FC236}">
+                <a16:creationId xmlns:a16="http://schemas.microsoft.com/office/drawing/2014/main" id="{D2EB9AE8-8512-F64D-BFC8-87982D561E75}"/>
+              </a:ext>
+            </a:extLst>
+          </p:cNvPr>
+          <p:cNvPicPr>
+            <a:picLocks noChangeAspect="1"/>
+          </p:cNvPicPr>
+          <p:nvPr/>
+        </p:nvPicPr>
+        <p:blipFill>
+          <a:blip r:embed="rId2"/>
+          <a:stretch>
+            <a:fillRect/>
+          </a:stretch>
+        </p:blipFill>
+        <p:spPr>
+          <a:xfrm>
+            <a:off x="553131" y="441325"/>
+            <a:ext cx="4100737" cy="3140075"/>
+          </a:xfrm>
+          <a:prstGeom prst="rect">
+            <a:avLst/>
+          </a:prstGeom>
+        </p:spPr>
+      </p:pic>
+      <p:pic>
+        <p:nvPicPr>
+          <p:cNvPr id="8" name="Picture 7">
+            <a:extLst>
+              <a:ext uri="{FF2B5EF4-FFF2-40B4-BE49-F238E27FC236}">
+                <a16:creationId xmlns:a16="http://schemas.microsoft.com/office/drawing/2014/main" id="{84B095E8-9755-3A4B-8327-00DFC04563DC}"/>
+              </a:ext>
+            </a:extLst>
+          </p:cNvPr>
+          <p:cNvPicPr>
+            <a:picLocks noChangeAspect="1"/>
+          </p:cNvPicPr>
+          <p:nvPr/>
+        </p:nvPicPr>
+        <p:blipFill>
+          <a:blip r:embed="rId3"/>
+          <a:stretch>
+            <a:fillRect/>
+          </a:stretch>
+        </p:blipFill>
+        <p:spPr>
+          <a:xfrm>
+            <a:off x="4653868" y="491680"/>
+            <a:ext cx="3969432" cy="3089720"/>
+          </a:xfrm>
+          <a:prstGeom prst="rect">
+            <a:avLst/>
+          </a:prstGeom>
+        </p:spPr>
+      </p:pic>
     </p:spTree>
     <p:extLst>
       <p:ext uri="{BB962C8B-B14F-4D97-AF65-F5344CB8AC3E}">
-        <p14:creationId xmlns:p14="http://schemas.microsoft.com/office/powerpoint/2010/main" val="2683106928"/>
+        <p14:creationId xmlns:p14="http://schemas.microsoft.com/office/powerpoint/2010/main" val="4223181540"/>
       </p:ext>
     </p:extLst>
   </p:cSld>
@@ -4860,7 +5205,7 @@
           <p:cNvPr id="2" name="Title 1">
             <a:extLst>
               <a:ext uri="{FF2B5EF4-FFF2-40B4-BE49-F238E27FC236}">
-                <a16:creationId xmlns:a16="http://schemas.microsoft.com/office/drawing/2014/main" id="{6C6AC28A-EE23-1547-8206-A5D4F961A386}"/>
+                <a16:creationId xmlns:a16="http://schemas.microsoft.com/office/drawing/2014/main" id="{A0433B50-0420-6745-8A9D-299A057D31DD}"/>
               </a:ext>
             </a:extLst>
           </p:cNvPr>
@@ -4878,11 +5223,11 @@
           <a:p>
             <a:r>
               <a:rPr lang="en-GB" dirty="0"/>
-              <a:t>3.</a:t>
+              <a:t>2. </a:t>
             </a:r>
             <a:r>
               <a:rPr lang="en-US" dirty="0"/>
-              <a:t> Improving efficiency </a:t>
+              <a:t>New data</a:t>
             </a:r>
             <a:endParaRPr lang="en-GB" dirty="0"/>
           </a:p>
@@ -4893,7 +5238,7 @@
           <p:cNvPr id="3" name="Content Placeholder 2">
             <a:extLst>
               <a:ext uri="{FF2B5EF4-FFF2-40B4-BE49-F238E27FC236}">
-                <a16:creationId xmlns:a16="http://schemas.microsoft.com/office/drawing/2014/main" id="{06CED7D2-1296-6641-9DB0-EE69B2E53A38}"/>
+                <a16:creationId xmlns:a16="http://schemas.microsoft.com/office/drawing/2014/main" id="{D7A063D3-87DA-254F-B5E3-5FEF85A84D65}"/>
               </a:ext>
             </a:extLst>
           </p:cNvPr>
@@ -4906,17 +5251,80 @@
         </p:nvSpPr>
         <p:spPr/>
         <p:txBody>
-          <a:bodyPr/>
-          <a:lstStyle/>
-          <a:p>
-            <a:endParaRPr lang="en-GB"/>
+          <a:bodyPr>
+            <a:normAutofit fontScale="92500"/>
+          </a:bodyPr>
+          <a:lstStyle/>
+          <a:p>
+            <a:r>
+              <a:rPr lang="en-GB" dirty="0"/>
+              <a:t>Improved CALIOP 2018 data with surface data, the model now take 14 parameters (excluding the truth data and time difference)</a:t>
+            </a:r>
+          </a:p>
+          <a:p>
+            <a:r>
+              <a:rPr lang="en-GB" dirty="0"/>
+              <a:t>Some matched CATS 2017 data</a:t>
+            </a:r>
+          </a:p>
+          <a:p>
+            <a:r>
+              <a:rPr lang="en-GB" dirty="0">
+                <a:hlinkClick r:id="rId2"/>
+              </a:rPr>
+              <a:t>https://docs.google.com/spreadsheets/d/1W3gyqzpbKeNRWvtOrYsDbg2UzzVLfw-t74esUQ_12GU/edit#gid=0</a:t>
+            </a:r>
+            <a:endParaRPr lang="en-GB" dirty="0"/>
+          </a:p>
+          <a:p>
+            <a:pPr lvl="1"/>
+            <a:r>
+              <a:rPr lang="en-GB" dirty="0"/>
+              <a:t>Data for &gt; 2.2 million pixels from Jan18 to Aug18 for CALIOP matches</a:t>
+            </a:r>
+          </a:p>
+          <a:p>
+            <a:pPr lvl="1"/>
+            <a:r>
+              <a:rPr lang="en-GB" dirty="0"/>
+              <a:t>Data for ~ 42,000 pixels for CATS matches from Aug17</a:t>
+            </a:r>
+          </a:p>
+          <a:p>
+            <a:pPr lvl="2"/>
+            <a:r>
+              <a:rPr lang="en-GB" dirty="0"/>
+              <a:t>Unable to gather more SLSTR data from 2017</a:t>
+            </a:r>
+          </a:p>
+          <a:p>
+            <a:pPr lvl="1"/>
+            <a:r>
+              <a:rPr lang="en-GB" dirty="0"/>
+              <a:t>See error on Jul18</a:t>
+            </a:r>
+          </a:p>
+          <a:p>
+            <a:r>
+              <a:rPr lang="en-GB" dirty="0"/>
+              <a:t>Adversarial data (pending)</a:t>
+            </a:r>
+          </a:p>
+          <a:p>
+            <a:pPr marL="0" indent="0">
+              <a:buNone/>
+            </a:pPr>
+            <a:endParaRPr lang="en-GB" dirty="0"/>
+          </a:p>
+          <a:p>
+            <a:endParaRPr lang="en-GB" dirty="0"/>
           </a:p>
         </p:txBody>
       </p:sp>
     </p:spTree>
     <p:extLst>
       <p:ext uri="{BB962C8B-B14F-4D97-AF65-F5344CB8AC3E}">
-        <p14:creationId xmlns:p14="http://schemas.microsoft.com/office/powerpoint/2010/main" val="1181275559"/>
+        <p14:creationId xmlns:p14="http://schemas.microsoft.com/office/powerpoint/2010/main" val="2683106928"/>
       </p:ext>
     </p:extLst>
   </p:cSld>
@@ -4948,7 +5356,7 @@
           <p:cNvPr id="2" name="Title 1">
             <a:extLst>
               <a:ext uri="{FF2B5EF4-FFF2-40B4-BE49-F238E27FC236}">
-                <a16:creationId xmlns:a16="http://schemas.microsoft.com/office/drawing/2014/main" id="{F55FEF33-ED2A-E140-99D3-518A10A75B49}"/>
+                <a16:creationId xmlns:a16="http://schemas.microsoft.com/office/drawing/2014/main" id="{6C6AC28A-EE23-1547-8206-A5D4F961A386}"/>
               </a:ext>
             </a:extLst>
           </p:cNvPr>
@@ -4965,8 +5373,12 @@
           <a:lstStyle/>
           <a:p>
             <a:r>
+              <a:rPr lang="en-GB" dirty="0"/>
+              <a:t>3.</a:t>
+            </a:r>
+            <a:r>
               <a:rPr lang="en-US" dirty="0"/>
-              <a:t>4. Accuracy</a:t>
+              <a:t> Improving efficiency </a:t>
             </a:r>
             <a:endParaRPr lang="en-GB" dirty="0"/>
           </a:p>
@@ -4977,7 +5389,7 @@
           <p:cNvPr id="3" name="Content Placeholder 2">
             <a:extLst>
               <a:ext uri="{FF2B5EF4-FFF2-40B4-BE49-F238E27FC236}">
-                <a16:creationId xmlns:a16="http://schemas.microsoft.com/office/drawing/2014/main" id="{9186BA69-379C-824F-99F3-3D86148837D6}"/>
+                <a16:creationId xmlns:a16="http://schemas.microsoft.com/office/drawing/2014/main" id="{06CED7D2-1296-6641-9DB0-EE69B2E53A38}"/>
               </a:ext>
             </a:extLst>
           </p:cNvPr>
@@ -4993,27 +5405,12 @@
           <a:bodyPr/>
           <a:lstStyle/>
           <a:p>
+            <a:pPr marL="0" indent="0">
+              <a:buNone/>
+            </a:pPr>
             <a:r>
               <a:rPr lang="en-GB" dirty="0"/>
-              <a:t>Hyperparameters</a:t>
-            </a:r>
-          </a:p>
-          <a:p>
-            <a:r>
-              <a:rPr lang="en-GB" dirty="0"/>
-              <a:t>Model accuracy testing, testing as a function of times slices, satellite zenith angle and surface type. </a:t>
-            </a:r>
-          </a:p>
-          <a:p>
-            <a:endParaRPr lang="en-GB" dirty="0"/>
-          </a:p>
-          <a:p>
-            <a:pPr marL="0" indent="0">
-              <a:buNone/>
-            </a:pPr>
-            <a:r>
-              <a:rPr lang="en-GB" dirty="0"/>
-              <a:t>=&gt; Highlights the need to generate an uncertainty on for the model results  </a:t>
+              <a:t>Efficiency was improved by 7850%, it now takes Kenza approx. 2 min to load one mask, Tom 30s and the HEP server 1 minute. </a:t>
             </a:r>
           </a:p>
         </p:txBody>
@@ -5021,7 +5418,7 @@
     </p:spTree>
     <p:extLst>
       <p:ext uri="{BB962C8B-B14F-4D97-AF65-F5344CB8AC3E}">
-        <p14:creationId xmlns:p14="http://schemas.microsoft.com/office/powerpoint/2010/main" val="3189072581"/>
+        <p14:creationId xmlns:p14="http://schemas.microsoft.com/office/powerpoint/2010/main" val="1181275559"/>
       </p:ext>
     </p:extLst>
   </p:cSld>
@@ -5053,7 +5450,7 @@
           <p:cNvPr id="2" name="Title 1">
             <a:extLst>
               <a:ext uri="{FF2B5EF4-FFF2-40B4-BE49-F238E27FC236}">
-                <a16:creationId xmlns:a16="http://schemas.microsoft.com/office/drawing/2014/main" id="{F55A229B-28CE-6D47-BB34-8F23E35086BA}"/>
+                <a16:creationId xmlns:a16="http://schemas.microsoft.com/office/drawing/2014/main" id="{F55FEF33-ED2A-E140-99D3-518A10A75B49}"/>
               </a:ext>
             </a:extLst>
           </p:cNvPr>
@@ -5069,7 +5466,11 @@
           <a:bodyPr/>
           <a:lstStyle/>
           <a:p>
-            <a:endParaRPr lang="en-GB"/>
+            <a:r>
+              <a:rPr lang="en-US" dirty="0"/>
+              <a:t>4. Accuracy</a:t>
+            </a:r>
+            <a:endParaRPr lang="en-GB" dirty="0"/>
           </a:p>
         </p:txBody>
       </p:sp>
@@ -5078,7 +5479,7 @@
           <p:cNvPr id="3" name="Content Placeholder 2">
             <a:extLst>
               <a:ext uri="{FF2B5EF4-FFF2-40B4-BE49-F238E27FC236}">
-                <a16:creationId xmlns:a16="http://schemas.microsoft.com/office/drawing/2014/main" id="{5D6217C7-BDD7-FA4D-A7EB-D576D2062B03}"/>
+                <a16:creationId xmlns:a16="http://schemas.microsoft.com/office/drawing/2014/main" id="{9186BA69-379C-824F-99F3-3D86148837D6}"/>
               </a:ext>
             </a:extLst>
           </p:cNvPr>
@@ -5089,19 +5490,110 @@
             <p:ph idx="1"/>
           </p:nvPr>
         </p:nvSpPr>
-        <p:spPr/>
-        <p:txBody>
-          <a:bodyPr/>
-          <a:lstStyle/>
-          <a:p>
-            <a:endParaRPr lang="en-GB"/>
+        <p:spPr>
+          <a:xfrm>
+            <a:off x="838200" y="1825625"/>
+            <a:ext cx="10515600" cy="4351338"/>
+          </a:xfrm>
+        </p:spPr>
+        <p:txBody>
+          <a:bodyPr>
+            <a:normAutofit fontScale="85000" lnSpcReduction="20000"/>
+          </a:bodyPr>
+          <a:lstStyle/>
+          <a:p>
+            <a:r>
+              <a:rPr lang="en-GB" dirty="0"/>
+              <a:t>Hyperparameters</a:t>
+            </a:r>
+          </a:p>
+          <a:p>
+            <a:pPr lvl="1">
+              <a:buFont typeface="Courier New" panose="02070309020205020404" pitchFamily="49" charset="0"/>
+              <a:buChar char="o"/>
+            </a:pPr>
+            <a:r>
+              <a:rPr lang="en-GB" dirty="0"/>
+              <a:t>We have found that layers with the same number units (32) work best</a:t>
+            </a:r>
+          </a:p>
+          <a:p>
+            <a:pPr lvl="1">
+              <a:buFont typeface="Courier New" panose="02070309020205020404" pitchFamily="49" charset="0"/>
+              <a:buChar char="o"/>
+            </a:pPr>
+            <a:r>
+              <a:rPr lang="en-GB" dirty="0"/>
+              <a:t>Number of layers above 5 make little difference </a:t>
+            </a:r>
+          </a:p>
+          <a:p>
+            <a:pPr lvl="1">
+              <a:buFont typeface="Courier New" panose="02070309020205020404" pitchFamily="49" charset="0"/>
+              <a:buChar char="o"/>
+            </a:pPr>
+            <a:r>
+              <a:rPr lang="en-GB" dirty="0"/>
+              <a:t>Dropout of 0.8 gives the best accuracy </a:t>
+            </a:r>
+          </a:p>
+          <a:p>
+            <a:pPr lvl="1">
+              <a:buFont typeface="Courier New" panose="02070309020205020404" pitchFamily="49" charset="0"/>
+              <a:buChar char="o"/>
+            </a:pPr>
+            <a:r>
+              <a:rPr lang="en-GB" dirty="0"/>
+              <a:t>The in-built ADAM minimiser also works best (this one is also used at DeepMind)</a:t>
+            </a:r>
+          </a:p>
+          <a:p>
+            <a:pPr lvl="1">
+              <a:buFont typeface="Courier New" panose="02070309020205020404" pitchFamily="49" charset="0"/>
+              <a:buChar char="o"/>
+            </a:pPr>
+            <a:endParaRPr lang="en-GB" dirty="0"/>
+          </a:p>
+          <a:p>
+            <a:r>
+              <a:rPr lang="en-GB" dirty="0"/>
+              <a:t>Model accuracy testing, testing as a function of times slices, satellite zenith angle and surface type (see next slide)</a:t>
+            </a:r>
+          </a:p>
+          <a:p>
+            <a:r>
+              <a:rPr lang="en-GB" dirty="0"/>
+              <a:t>Minimise model using proper scoring rules as discussed in the the </a:t>
+            </a:r>
+            <a:r>
+              <a:rPr lang="en-GB" dirty="0">
+                <a:hlinkClick r:id="rId2"/>
+              </a:rPr>
+              <a:t>paper</a:t>
+            </a:r>
+            <a:r>
+              <a:rPr lang="en-GB" dirty="0"/>
+              <a:t> from Lakshminarayanan et al. (Deep Mind)</a:t>
+            </a:r>
+          </a:p>
+          <a:p>
+            <a:endParaRPr lang="en-GB" dirty="0"/>
+          </a:p>
+          <a:p>
+            <a:pPr marL="0" indent="0">
+              <a:buNone/>
+            </a:pPr>
+            <a:r>
+              <a:rPr lang="en-GB" dirty="0"/>
+              <a:t>=&gt; Highlights the need to generate an uncertainty on for the model results (see Section 5) </a:t>
+            </a:r>
           </a:p>
         </p:txBody>
       </p:sp>
     </p:spTree>
     <p:extLst>
       <p:ext uri="{BB962C8B-B14F-4D97-AF65-F5344CB8AC3E}">
-        <p14:creationId xmlns:p14="http://schemas.microsoft.com/office/powerpoint/2010/main" val="4223181540"/>
+        <p14:creationId xmlns:p14="http://schemas.microsoft.com/office/powerpoint/2010/main" val="3189072581"/>
       </p:ext>
     </p:extLst>
   </p:cSld>
